--- a/Revisions_Statique/Fiche_01_Statique_3D_TD_01_MC2E/images/Figures.pptx
+++ b/Revisions_Statique/Fiche_01_Statique_3D_TD_01_MC2E/images/Figures.pptx
@@ -7,8 +7,10 @@
   <p:sldIdLst>
     <p:sldId id="256" r:id="rId2"/>
     <p:sldId id="257" r:id="rId3"/>
-    <p:sldId id="259" r:id="rId4"/>
-    <p:sldId id="258" r:id="rId5"/>
+    <p:sldId id="261" r:id="rId4"/>
+    <p:sldId id="262" r:id="rId5"/>
+    <p:sldId id="259" r:id="rId6"/>
+    <p:sldId id="258" r:id="rId7"/>
   </p:sldIdLst>
   <p:sldSz cx="9144000" cy="6858000" type="screen4x3"/>
   <p:notesSz cx="6858000" cy="9144000"/>
@@ -291,7 +293,7 @@
           <a:p>
             <a:fld id="{AA309A6D-C09C-4548-B29A-6CF363A7E532}" type="datetimeFigureOut">
               <a:rPr lang="fr-FR" smtClean="0"/>
-              <a:t>23/03/2018</a:t>
+              <a:t>27/03/2018</a:t>
             </a:fld>
             <a:endParaRPr lang="fr-BE"/>
           </a:p>
@@ -456,7 +458,7 @@
           <a:p>
             <a:fld id="{AA309A6D-C09C-4548-B29A-6CF363A7E532}" type="datetimeFigureOut">
               <a:rPr lang="fr-FR" smtClean="0"/>
-              <a:t>23/03/2018</a:t>
+              <a:t>27/03/2018</a:t>
             </a:fld>
             <a:endParaRPr lang="fr-BE"/>
           </a:p>
@@ -631,7 +633,7 @@
           <a:p>
             <a:fld id="{AA309A6D-C09C-4548-B29A-6CF363A7E532}" type="datetimeFigureOut">
               <a:rPr lang="fr-FR" smtClean="0"/>
-              <a:t>23/03/2018</a:t>
+              <a:t>27/03/2018</a:t>
             </a:fld>
             <a:endParaRPr lang="fr-BE"/>
           </a:p>
@@ -796,7 +798,7 @@
           <a:p>
             <a:fld id="{AA309A6D-C09C-4548-B29A-6CF363A7E532}" type="datetimeFigureOut">
               <a:rPr lang="fr-FR" smtClean="0"/>
-              <a:t>23/03/2018</a:t>
+              <a:t>27/03/2018</a:t>
             </a:fld>
             <a:endParaRPr lang="fr-BE"/>
           </a:p>
@@ -1037,7 +1039,7 @@
           <a:p>
             <a:fld id="{AA309A6D-C09C-4548-B29A-6CF363A7E532}" type="datetimeFigureOut">
               <a:rPr lang="fr-FR" smtClean="0"/>
-              <a:t>23/03/2018</a:t>
+              <a:t>27/03/2018</a:t>
             </a:fld>
             <a:endParaRPr lang="fr-BE"/>
           </a:p>
@@ -1320,7 +1322,7 @@
           <a:p>
             <a:fld id="{AA309A6D-C09C-4548-B29A-6CF363A7E532}" type="datetimeFigureOut">
               <a:rPr lang="fr-FR" smtClean="0"/>
-              <a:t>23/03/2018</a:t>
+              <a:t>27/03/2018</a:t>
             </a:fld>
             <a:endParaRPr lang="fr-BE"/>
           </a:p>
@@ -1737,7 +1739,7 @@
           <a:p>
             <a:fld id="{AA309A6D-C09C-4548-B29A-6CF363A7E532}" type="datetimeFigureOut">
               <a:rPr lang="fr-FR" smtClean="0"/>
-              <a:t>23/03/2018</a:t>
+              <a:t>27/03/2018</a:t>
             </a:fld>
             <a:endParaRPr lang="fr-BE"/>
           </a:p>
@@ -1850,7 +1852,7 @@
           <a:p>
             <a:fld id="{AA309A6D-C09C-4548-B29A-6CF363A7E532}" type="datetimeFigureOut">
               <a:rPr lang="fr-FR" smtClean="0"/>
-              <a:t>23/03/2018</a:t>
+              <a:t>27/03/2018</a:t>
             </a:fld>
             <a:endParaRPr lang="fr-BE"/>
           </a:p>
@@ -1940,7 +1942,7 @@
           <a:p>
             <a:fld id="{AA309A6D-C09C-4548-B29A-6CF363A7E532}" type="datetimeFigureOut">
               <a:rPr lang="fr-FR" smtClean="0"/>
-              <a:t>23/03/2018</a:t>
+              <a:t>27/03/2018</a:t>
             </a:fld>
             <a:endParaRPr lang="fr-BE"/>
           </a:p>
@@ -2212,7 +2214,7 @@
           <a:p>
             <a:fld id="{AA309A6D-C09C-4548-B29A-6CF363A7E532}" type="datetimeFigureOut">
               <a:rPr lang="fr-FR" smtClean="0"/>
-              <a:t>23/03/2018</a:t>
+              <a:t>27/03/2018</a:t>
             </a:fld>
             <a:endParaRPr lang="fr-BE"/>
           </a:p>
@@ -2460,7 +2462,7 @@
           <a:p>
             <a:fld id="{AA309A6D-C09C-4548-B29A-6CF363A7E532}" type="datetimeFigureOut">
               <a:rPr lang="fr-FR" smtClean="0"/>
-              <a:t>23/03/2018</a:t>
+              <a:t>27/03/2018</a:t>
             </a:fld>
             <a:endParaRPr lang="fr-BE"/>
           </a:p>
@@ -2668,7 +2670,7 @@
           <a:p>
             <a:fld id="{AA309A6D-C09C-4548-B29A-6CF363A7E532}" type="datetimeFigureOut">
               <a:rPr lang="fr-FR" smtClean="0"/>
-              <a:t>23/03/2018</a:t>
+              <a:t>27/03/2018</a:t>
             </a:fld>
             <a:endParaRPr lang="fr-BE"/>
           </a:p>
@@ -7606,6 +7608,1534 @@
         </p:nvSpPr>
         <p:spPr>
           <a:xfrm>
+            <a:off x="971600" y="1985071"/>
+            <a:ext cx="1440160" cy="1512168"/>
+          </a:xfrm>
+          <a:prstGeom prst="rect">
+            <a:avLst/>
+          </a:prstGeom>
+          <a:solidFill>
+            <a:schemeClr val="accent5">
+              <a:lumMod val="20000"/>
+              <a:lumOff val="80000"/>
+            </a:schemeClr>
+          </a:solidFill>
+          <a:ln w="9525">
+            <a:solidFill>
+              <a:schemeClr val="accent5">
+                <a:lumMod val="50000"/>
+              </a:schemeClr>
+            </a:solidFill>
+          </a:ln>
+        </p:spPr>
+        <p:style>
+          <a:lnRef idx="2">
+            <a:schemeClr val="accent1">
+              <a:shade val="50000"/>
+            </a:schemeClr>
+          </a:lnRef>
+          <a:fillRef idx="1">
+            <a:schemeClr val="accent1"/>
+          </a:fillRef>
+          <a:effectRef idx="0">
+            <a:schemeClr val="accent1"/>
+          </a:effectRef>
+          <a:fontRef idx="minor">
+            <a:schemeClr val="lt1"/>
+          </a:fontRef>
+        </p:style>
+        <p:txBody>
+          <a:bodyPr rtlCol="0" anchor="ctr"/>
+          <a:lstStyle/>
+          <a:p>
+            <a:pPr algn="ctr"/>
+            <a:endParaRPr lang="fr-FR" sz="1000" dirty="0">
+              <a:solidFill>
+                <a:sysClr val="windowText" lastClr="000000"/>
+              </a:solidFill>
+            </a:endParaRPr>
+          </a:p>
+        </p:txBody>
+      </p:sp>
+      <p:sp>
+        <p:nvSpPr>
+          <p:cNvPr id="8" name="Rectangle 7"/>
+          <p:cNvSpPr/>
+          <p:nvPr/>
+        </p:nvSpPr>
+        <p:spPr>
+          <a:xfrm>
+            <a:off x="2754201" y="1628800"/>
+            <a:ext cx="1440160" cy="288032"/>
+          </a:xfrm>
+          <a:prstGeom prst="rect">
+            <a:avLst/>
+          </a:prstGeom>
+          <a:solidFill>
+            <a:schemeClr val="accent2">
+              <a:lumMod val="20000"/>
+              <a:lumOff val="80000"/>
+            </a:schemeClr>
+          </a:solidFill>
+          <a:ln w="9525">
+            <a:solidFill>
+              <a:schemeClr val="accent2"/>
+            </a:solidFill>
+          </a:ln>
+        </p:spPr>
+        <p:style>
+          <a:lnRef idx="2">
+            <a:schemeClr val="accent1">
+              <a:shade val="50000"/>
+            </a:schemeClr>
+          </a:lnRef>
+          <a:fillRef idx="1">
+            <a:schemeClr val="accent1"/>
+          </a:fillRef>
+          <a:effectRef idx="0">
+            <a:schemeClr val="accent1"/>
+          </a:effectRef>
+          <a:fontRef idx="minor">
+            <a:schemeClr val="lt1"/>
+          </a:fontRef>
+        </p:style>
+        <p:txBody>
+          <a:bodyPr rtlCol="0" anchor="ctr"/>
+          <a:lstStyle/>
+          <a:p>
+            <a:pPr algn="ctr"/>
+            <a:r>
+              <a:rPr lang="fr-FR" sz="1000" dirty="0" smtClean="0">
+                <a:solidFill>
+                  <a:sysClr val="windowText" lastClr="000000"/>
+                </a:solidFill>
+              </a:rPr>
+              <a:t>Domaine de la modélisation</a:t>
+            </a:r>
+            <a:endParaRPr lang="fr-FR" sz="1000" dirty="0">
+              <a:solidFill>
+                <a:sysClr val="windowText" lastClr="000000"/>
+              </a:solidFill>
+            </a:endParaRPr>
+          </a:p>
+        </p:txBody>
+      </p:sp>
+      <p:sp>
+        <p:nvSpPr>
+          <p:cNvPr id="9" name="Rectangle 8"/>
+          <p:cNvSpPr/>
+          <p:nvPr/>
+        </p:nvSpPr>
+        <p:spPr>
+          <a:xfrm>
+            <a:off x="2754201" y="1985071"/>
+            <a:ext cx="1440160" cy="1519706"/>
+          </a:xfrm>
+          <a:prstGeom prst="rect">
+            <a:avLst/>
+          </a:prstGeom>
+          <a:solidFill>
+            <a:schemeClr val="accent2">
+              <a:lumMod val="20000"/>
+              <a:lumOff val="80000"/>
+            </a:schemeClr>
+          </a:solidFill>
+          <a:ln w="9525">
+            <a:solidFill>
+              <a:schemeClr val="accent2"/>
+            </a:solidFill>
+          </a:ln>
+        </p:spPr>
+        <p:style>
+          <a:lnRef idx="2">
+            <a:schemeClr val="accent1">
+              <a:shade val="50000"/>
+            </a:schemeClr>
+          </a:lnRef>
+          <a:fillRef idx="1">
+            <a:schemeClr val="accent1"/>
+          </a:fillRef>
+          <a:effectRef idx="0">
+            <a:schemeClr val="accent1"/>
+          </a:effectRef>
+          <a:fontRef idx="minor">
+            <a:schemeClr val="lt1"/>
+          </a:fontRef>
+        </p:style>
+        <p:txBody>
+          <a:bodyPr rtlCol="0" anchor="ctr"/>
+          <a:lstStyle/>
+          <a:p>
+            <a:pPr algn="ctr"/>
+            <a:endParaRPr lang="fr-FR" sz="1000" dirty="0">
+              <a:solidFill>
+                <a:sysClr val="windowText" lastClr="000000"/>
+              </a:solidFill>
+            </a:endParaRPr>
+          </a:p>
+        </p:txBody>
+      </p:sp>
+      <p:sp>
+        <p:nvSpPr>
+          <p:cNvPr id="10" name="Rectangle 9"/>
+          <p:cNvSpPr/>
+          <p:nvPr/>
+        </p:nvSpPr>
+        <p:spPr>
+          <a:xfrm>
+            <a:off x="2910953" y="2051721"/>
+            <a:ext cx="1126656" cy="1389432"/>
+          </a:xfrm>
+          <a:prstGeom prst="rect">
+            <a:avLst/>
+          </a:prstGeom>
+          <a:solidFill>
+            <a:schemeClr val="accent2">
+              <a:lumMod val="20000"/>
+              <a:lumOff val="80000"/>
+            </a:schemeClr>
+          </a:solidFill>
+          <a:ln w="9525">
+            <a:solidFill>
+              <a:schemeClr val="accent2"/>
+            </a:solidFill>
+          </a:ln>
+        </p:spPr>
+        <p:style>
+          <a:lnRef idx="2">
+            <a:schemeClr val="accent1">
+              <a:shade val="50000"/>
+            </a:schemeClr>
+          </a:lnRef>
+          <a:fillRef idx="1">
+            <a:schemeClr val="accent1"/>
+          </a:fillRef>
+          <a:effectRef idx="0">
+            <a:schemeClr val="accent1"/>
+          </a:effectRef>
+          <a:fontRef idx="minor">
+            <a:schemeClr val="lt1"/>
+          </a:fontRef>
+        </p:style>
+        <p:txBody>
+          <a:bodyPr rtlCol="0" anchor="t"/>
+          <a:lstStyle/>
+          <a:p>
+            <a:pPr algn="ctr"/>
+            <a:r>
+              <a:rPr lang="fr-FR" sz="1000" b="1" dirty="0" smtClean="0">
+                <a:solidFill>
+                  <a:sysClr val="windowText" lastClr="000000"/>
+                </a:solidFill>
+              </a:rPr>
+              <a:t>Détermination des lois en effort en utilisant le PFS</a:t>
+            </a:r>
+          </a:p>
+        </p:txBody>
+      </p:sp>
+      <p:pic>
+        <p:nvPicPr>
+          <p:cNvPr id="2" name="Picture 2" descr="C:\Enseignement\GitHub\Cy_04_PSI_ModelisationDynamique\Revisions_Statique\Fiche_01_Statique_3D_TD_01_MC2E\images\fig_03.png"/>
+          <p:cNvPicPr>
+            <a:picLocks noChangeAspect="1" noChangeArrowheads="1"/>
+          </p:cNvPicPr>
+          <p:nvPr/>
+        </p:nvPicPr>
+        <p:blipFill rotWithShape="1">
+          <a:blip r:embed="rId2">
+            <a:extLst>
+              <a:ext uri="{28A0092B-C50C-407E-A947-70E740481C1C}">
+                <a14:useLocalDpi xmlns:a14="http://schemas.microsoft.com/office/drawing/2010/main" val="0"/>
+              </a:ext>
+            </a:extLst>
+          </a:blip>
+          <a:srcRect l="51117" t="54395" r="26802" b="-68"/>
+          <a:stretch/>
+        </p:blipFill>
+        <p:spPr bwMode="auto">
+          <a:xfrm>
+            <a:off x="1088030" y="2088420"/>
+            <a:ext cx="1207299" cy="963846"/>
+          </a:xfrm>
+          <a:prstGeom prst="rect">
+            <a:avLst/>
+          </a:prstGeom>
+          <a:noFill/>
+          <a:extLst>
+            <a:ext uri="{909E8E84-426E-40DD-AFC4-6F175D3DCCD1}">
+              <a14:hiddenFill xmlns:a14="http://schemas.microsoft.com/office/drawing/2010/main">
+                <a:solidFill>
+                  <a:srgbClr val="FFFFFF"/>
+                </a:solidFill>
+              </a14:hiddenFill>
+            </a:ext>
+          </a:extLst>
+        </p:spPr>
+      </p:pic>
+      <p:sp>
+        <p:nvSpPr>
+          <p:cNvPr id="14" name="Rectangle 13"/>
+          <p:cNvSpPr/>
+          <p:nvPr/>
+        </p:nvSpPr>
+        <p:spPr>
+          <a:xfrm>
+            <a:off x="6660232" y="1628800"/>
+            <a:ext cx="1440160" cy="288032"/>
+          </a:xfrm>
+          <a:prstGeom prst="rect">
+            <a:avLst/>
+          </a:prstGeom>
+          <a:solidFill>
+            <a:schemeClr val="accent3">
+              <a:lumMod val="20000"/>
+              <a:lumOff val="80000"/>
+            </a:schemeClr>
+          </a:solidFill>
+          <a:ln w="9525">
+            <a:solidFill>
+              <a:schemeClr val="accent3">
+                <a:lumMod val="50000"/>
+              </a:schemeClr>
+            </a:solidFill>
+          </a:ln>
+        </p:spPr>
+        <p:style>
+          <a:lnRef idx="2">
+            <a:schemeClr val="accent1">
+              <a:shade val="50000"/>
+            </a:schemeClr>
+          </a:lnRef>
+          <a:fillRef idx="1">
+            <a:schemeClr val="accent1"/>
+          </a:fillRef>
+          <a:effectRef idx="0">
+            <a:schemeClr val="accent1"/>
+          </a:effectRef>
+          <a:fontRef idx="minor">
+            <a:schemeClr val="lt1"/>
+          </a:fontRef>
+        </p:style>
+        <p:txBody>
+          <a:bodyPr rtlCol="0" anchor="ctr"/>
+          <a:lstStyle/>
+          <a:p>
+            <a:pPr algn="ctr"/>
+            <a:r>
+              <a:rPr lang="fr-FR" sz="1000" dirty="0" smtClean="0">
+                <a:solidFill>
+                  <a:sysClr val="windowText" lastClr="000000"/>
+                </a:solidFill>
+              </a:rPr>
+              <a:t>Domaine de </a:t>
+            </a:r>
+            <a:r>
+              <a:rPr lang="fr-FR" sz="1000" dirty="0" smtClean="0">
+                <a:solidFill>
+                  <a:sysClr val="windowText" lastClr="000000"/>
+                </a:solidFill>
+              </a:rPr>
+              <a:t>l’expérimentation</a:t>
+            </a:r>
+            <a:endParaRPr lang="fr-FR" sz="1000" dirty="0">
+              <a:solidFill>
+                <a:sysClr val="windowText" lastClr="000000"/>
+              </a:solidFill>
+            </a:endParaRPr>
+          </a:p>
+        </p:txBody>
+      </p:sp>
+      <p:sp>
+        <p:nvSpPr>
+          <p:cNvPr id="15" name="Rectangle 14"/>
+          <p:cNvSpPr/>
+          <p:nvPr/>
+        </p:nvSpPr>
+        <p:spPr>
+          <a:xfrm>
+            <a:off x="6660232" y="1985071"/>
+            <a:ext cx="1440160" cy="1519706"/>
+          </a:xfrm>
+          <a:prstGeom prst="rect">
+            <a:avLst/>
+          </a:prstGeom>
+          <a:solidFill>
+            <a:schemeClr val="accent3">
+              <a:lumMod val="20000"/>
+              <a:lumOff val="80000"/>
+            </a:schemeClr>
+          </a:solidFill>
+          <a:ln w="9525">
+            <a:solidFill>
+              <a:schemeClr val="accent3">
+                <a:lumMod val="50000"/>
+              </a:schemeClr>
+            </a:solidFill>
+          </a:ln>
+        </p:spPr>
+        <p:style>
+          <a:lnRef idx="2">
+            <a:schemeClr val="accent1">
+              <a:shade val="50000"/>
+            </a:schemeClr>
+          </a:lnRef>
+          <a:fillRef idx="1">
+            <a:schemeClr val="accent1"/>
+          </a:fillRef>
+          <a:effectRef idx="0">
+            <a:schemeClr val="accent1"/>
+          </a:effectRef>
+          <a:fontRef idx="minor">
+            <a:schemeClr val="lt1"/>
+          </a:fontRef>
+        </p:style>
+        <p:txBody>
+          <a:bodyPr rtlCol="0" anchor="ctr"/>
+          <a:lstStyle/>
+          <a:p>
+            <a:pPr algn="ctr"/>
+            <a:endParaRPr lang="fr-FR" sz="1000" dirty="0">
+              <a:solidFill>
+                <a:sysClr val="windowText" lastClr="000000"/>
+              </a:solidFill>
+            </a:endParaRPr>
+          </a:p>
+        </p:txBody>
+      </p:sp>
+      <p:sp>
+        <p:nvSpPr>
+          <p:cNvPr id="16" name="Rectangle 15"/>
+          <p:cNvSpPr/>
+          <p:nvPr/>
+        </p:nvSpPr>
+        <p:spPr>
+          <a:xfrm>
+            <a:off x="6767439" y="2051721"/>
+            <a:ext cx="1225746" cy="1389432"/>
+          </a:xfrm>
+          <a:prstGeom prst="rect">
+            <a:avLst/>
+          </a:prstGeom>
+          <a:solidFill>
+            <a:schemeClr val="accent3">
+              <a:lumMod val="20000"/>
+              <a:lumOff val="80000"/>
+            </a:schemeClr>
+          </a:solidFill>
+          <a:ln w="9525">
+            <a:solidFill>
+              <a:schemeClr val="accent3">
+                <a:lumMod val="50000"/>
+              </a:schemeClr>
+            </a:solidFill>
+          </a:ln>
+        </p:spPr>
+        <p:style>
+          <a:lnRef idx="2">
+            <a:schemeClr val="accent1">
+              <a:shade val="50000"/>
+            </a:schemeClr>
+          </a:lnRef>
+          <a:fillRef idx="1">
+            <a:schemeClr val="accent1"/>
+          </a:fillRef>
+          <a:effectRef idx="0">
+            <a:schemeClr val="accent1"/>
+          </a:effectRef>
+          <a:fontRef idx="minor">
+            <a:schemeClr val="lt1"/>
+          </a:fontRef>
+        </p:style>
+        <p:txBody>
+          <a:bodyPr rtlCol="0" anchor="t"/>
+          <a:lstStyle/>
+          <a:p>
+            <a:pPr algn="ctr"/>
+            <a:r>
+              <a:rPr lang="fr-FR" sz="1000" b="1" dirty="0" smtClean="0">
+                <a:solidFill>
+                  <a:sysClr val="windowText" lastClr="000000"/>
+                </a:solidFill>
+              </a:rPr>
+              <a:t>Calibration du poids de E.</a:t>
+            </a:r>
+            <a:endParaRPr lang="fr-FR" sz="1000" b="1" dirty="0">
+              <a:solidFill>
+                <a:sysClr val="windowText" lastClr="000000"/>
+              </a:solidFill>
+            </a:endParaRPr>
+          </a:p>
+        </p:txBody>
+      </p:sp>
+      <mc:AlternateContent xmlns:mc="http://schemas.openxmlformats.org/markup-compatibility/2006">
+        <mc:Choice xmlns:a14="http://schemas.microsoft.com/office/drawing/2010/main" Requires="a14">
+          <p:sp>
+            <p:nvSpPr>
+              <p:cNvPr id="4" name="Double flèche horizontale 3"/>
+              <p:cNvSpPr/>
+              <p:nvPr/>
+            </p:nvSpPr>
+            <p:spPr>
+              <a:xfrm>
+                <a:off x="3923928" y="1472978"/>
+                <a:ext cx="3096343" cy="2194730"/>
+              </a:xfrm>
+              <a:prstGeom prst="leftRightArrow">
+                <a:avLst>
+                  <a:gd name="adj1" fmla="val 75253"/>
+                  <a:gd name="adj2" fmla="val 22762"/>
+                </a:avLst>
+              </a:prstGeom>
+              <a:solidFill>
+                <a:schemeClr val="accent6">
+                  <a:lumMod val="20000"/>
+                  <a:lumOff val="80000"/>
+                </a:schemeClr>
+              </a:solidFill>
+              <a:ln w="9525">
+                <a:solidFill>
+                  <a:schemeClr val="accent6">
+                    <a:lumMod val="50000"/>
+                  </a:schemeClr>
+                </a:solidFill>
+              </a:ln>
+            </p:spPr>
+            <p:style>
+              <a:lnRef idx="2">
+                <a:schemeClr val="accent1">
+                  <a:shade val="50000"/>
+                </a:schemeClr>
+              </a:lnRef>
+              <a:fillRef idx="1">
+                <a:schemeClr val="accent1"/>
+              </a:fillRef>
+              <a:effectRef idx="0">
+                <a:schemeClr val="accent1"/>
+              </a:effectRef>
+              <a:fontRef idx="minor">
+                <a:schemeClr val="lt1"/>
+              </a:fontRef>
+            </p:style>
+            <p:txBody>
+              <a:bodyPr rtlCol="0" anchor="ctr"/>
+              <a:lstStyle/>
+              <a:p>
+                <a:pPr algn="ctr"/>
+                <a:r>
+                  <a:rPr lang="fr-FR" sz="900" dirty="0" smtClean="0">
+                    <a:solidFill>
+                      <a:sysClr val="windowText" lastClr="000000"/>
+                    </a:solidFill>
+                  </a:rPr>
+                  <a:t>Détermination de la compensation en effort</a:t>
+                </a:r>
+              </a:p>
+              <a:p>
+                <a:pPr algn="ctr"/>
+                <a:r>
+                  <a:rPr lang="fr-FR" sz="1050" b="1" dirty="0" smtClean="0">
+                    <a:solidFill>
+                      <a:sysClr val="windowText" lastClr="000000"/>
+                    </a:solidFill>
+                  </a:rPr>
+                  <a:t>Erreur due à la mesure du  poids lors de la compensation  : 0,4%</a:t>
+                </a:r>
+              </a:p>
+              <a:p>
+                <a:pPr algn="ctr"/>
+                <a:endParaRPr lang="fr-FR" sz="1050" b="1" dirty="0" smtClean="0">
+                  <a:solidFill>
+                    <a:sysClr val="windowText" lastClr="000000"/>
+                  </a:solidFill>
+                </a:endParaRPr>
+              </a:p>
+              <a:p>
+                <a:pPr algn="ctr"/>
+                <a:r>
+                  <a:rPr lang="fr-FR" sz="1050" b="1" dirty="0" smtClean="0">
+                    <a:solidFill>
+                      <a:sysClr val="windowText" lastClr="000000"/>
+                    </a:solidFill>
+                  </a:rPr>
+                  <a:t>Méthode de compensation du poids : </a:t>
+                </a:r>
+              </a:p>
+              <a:p>
+                <a:pPr algn="ctr"/>
+                <a:r>
+                  <a:rPr lang="fr-FR" sz="1000" dirty="0">
+                    <a:solidFill>
+                      <a:schemeClr val="tx1"/>
+                    </a:solidFill>
+                  </a:rPr>
+                  <a:t>Pour compenser le pesanteur, il faudra donc retrancher </a:t>
+                </a:r>
+                <a14:m>
+                  <m:oMath xmlns:m="http://schemas.openxmlformats.org/officeDocument/2006/math">
+                    <m:sSub>
+                      <m:sSubPr>
+                        <m:ctrlPr>
+                          <a:rPr lang="fr-FR" sz="1000" i="1" dirty="0" smtClean="0">
+                            <a:solidFill>
+                              <a:schemeClr val="tx1"/>
+                            </a:solidFill>
+                            <a:latin typeface="Cambria Math"/>
+                          </a:rPr>
+                        </m:ctrlPr>
+                      </m:sSubPr>
+                      <m:e>
+                        <m:r>
+                          <a:rPr lang="fr-FR" sz="1000" i="1" dirty="0" smtClean="0">
+                            <a:solidFill>
+                              <a:schemeClr val="tx1"/>
+                            </a:solidFill>
+                            <a:latin typeface="Cambria Math"/>
+                          </a:rPr>
+                          <m:t>𝐹</m:t>
+                        </m:r>
+                      </m:e>
+                      <m:sub>
+                        <m:r>
+                          <a:rPr lang="fr-FR" sz="1000" i="1" dirty="0">
+                            <a:solidFill>
+                              <a:schemeClr val="tx1"/>
+                            </a:solidFill>
+                            <a:latin typeface="Cambria Math"/>
+                          </a:rPr>
+                          <m:t>𝑧</m:t>
+                        </m:r>
+                        <m:r>
+                          <a:rPr lang="fr-FR" sz="1000" i="1" dirty="0">
+                            <a:solidFill>
+                              <a:schemeClr val="tx1"/>
+                            </a:solidFill>
+                            <a:latin typeface="Cambria Math"/>
+                          </a:rPr>
+                          <m:t>20</m:t>
+                        </m:r>
+                      </m:sub>
+                    </m:sSub>
+                  </m:oMath>
+                </a14:m>
+                <a:r>
+                  <a:rPr lang="fr-FR" sz="1000" dirty="0" smtClean="0">
+                    <a:solidFill>
+                      <a:schemeClr val="tx1"/>
+                    </a:solidFill>
+                  </a:rPr>
+                  <a:t> </a:t>
+                </a:r>
+                <a:r>
+                  <a:rPr lang="fr-FR" sz="1000" dirty="0">
+                    <a:solidFill>
+                      <a:schemeClr val="tx1"/>
+                    </a:solidFill>
+                  </a:rPr>
+                  <a:t>à la valeur de </a:t>
+                </a:r>
+                <a14:m>
+                  <m:oMath xmlns:m="http://schemas.openxmlformats.org/officeDocument/2006/math">
+                    <m:sSub>
+                      <m:sSubPr>
+                        <m:ctrlPr>
+                          <a:rPr lang="fr-FR" sz="1000" i="1" dirty="0">
+                            <a:solidFill>
+                              <a:schemeClr val="tx1"/>
+                            </a:solidFill>
+                            <a:latin typeface="Cambria Math"/>
+                          </a:rPr>
+                        </m:ctrlPr>
+                      </m:sSubPr>
+                      <m:e>
+                        <m:r>
+                          <a:rPr lang="fr-FR" sz="1000" i="1" dirty="0">
+                            <a:solidFill>
+                              <a:schemeClr val="tx1"/>
+                            </a:solidFill>
+                            <a:latin typeface="Cambria Math"/>
+                          </a:rPr>
+                          <m:t>𝐹</m:t>
+                        </m:r>
+                      </m:e>
+                      <m:sub>
+                        <m:r>
+                          <a:rPr lang="fr-FR" sz="1000" i="1" dirty="0">
+                            <a:solidFill>
+                              <a:schemeClr val="tx1"/>
+                            </a:solidFill>
+                            <a:latin typeface="Cambria Math"/>
+                          </a:rPr>
+                          <m:t>𝑧</m:t>
+                        </m:r>
+                      </m:sub>
+                    </m:sSub>
+                    <m:r>
+                      <a:rPr lang="fr-FR" sz="1000" i="1" dirty="0">
+                        <a:solidFill>
+                          <a:schemeClr val="tx1"/>
+                        </a:solidFill>
+                        <a:latin typeface="Cambria Math"/>
+                      </a:rPr>
+                      <m:t> </m:t>
+                    </m:r>
+                  </m:oMath>
+                </a14:m>
+                <a:r>
+                  <a:rPr lang="fr-FR" sz="1000" dirty="0" smtClean="0">
+                    <a:solidFill>
+                      <a:schemeClr val="tx1"/>
+                    </a:solidFill>
+                  </a:rPr>
+                  <a:t>mesurée </a:t>
+                </a:r>
+                <a:r>
+                  <a:rPr lang="fr-FR" sz="1000" dirty="0">
+                    <a:solidFill>
+                      <a:schemeClr val="tx1"/>
+                    </a:solidFill>
+                  </a:rPr>
+                  <a:t>sous  </a:t>
+                </a:r>
+                <a:r>
+                  <a:rPr lang="fr-FR" sz="1000" dirty="0" smtClean="0">
+                    <a:solidFill>
+                      <a:schemeClr val="tx1"/>
+                    </a:solidFill>
+                  </a:rPr>
+                  <a:t>« charge ». </a:t>
+                </a:r>
+                <a:endParaRPr lang="fr-FR" sz="1000" b="1" dirty="0">
+                  <a:solidFill>
+                    <a:sysClr val="windowText" lastClr="000000"/>
+                  </a:solidFill>
+                </a:endParaRPr>
+              </a:p>
+            </p:txBody>
+          </p:sp>
+        </mc:Choice>
+        <mc:Fallback>
+          <p:sp>
+            <p:nvSpPr>
+              <p:cNvPr id="4" name="Double flèche horizontale 3"/>
+              <p:cNvSpPr>
+                <a:spLocks noRot="1" noChangeAspect="1" noMove="1" noResize="1" noEditPoints="1" noAdjustHandles="1" noChangeArrowheads="1" noChangeShapeType="1" noTextEdit="1"/>
+              </p:cNvSpPr>
+              <p:nvPr/>
+            </p:nvSpPr>
+            <p:spPr>
+              <a:xfrm>
+                <a:off x="3923928" y="1472978"/>
+                <a:ext cx="3096343" cy="2194730"/>
+              </a:xfrm>
+              <a:prstGeom prst="leftRightArrow">
+                <a:avLst>
+                  <a:gd name="adj1" fmla="val 75253"/>
+                  <a:gd name="adj2" fmla="val 22762"/>
+                </a:avLst>
+              </a:prstGeom>
+              <a:blipFill rotWithShape="1">
+                <a:blip r:embed="rId3"/>
+                <a:stretch>
+                  <a:fillRect/>
+                </a:stretch>
+              </a:blipFill>
+              <a:ln w="9525">
+                <a:solidFill>
+                  <a:schemeClr val="accent6">
+                    <a:lumMod val="50000"/>
+                  </a:schemeClr>
+                </a:solidFill>
+              </a:ln>
+            </p:spPr>
+            <p:txBody>
+              <a:bodyPr/>
+              <a:lstStyle/>
+              <a:p>
+                <a:r>
+                  <a:rPr lang="fr-FR">
+                    <a:noFill/>
+                  </a:rPr>
+                  <a:t> </a:t>
+                </a:r>
+              </a:p>
+            </p:txBody>
+          </p:sp>
+        </mc:Fallback>
+      </mc:AlternateContent>
+    </p:spTree>
+    <p:extLst>
+      <p:ext uri="{BB962C8B-B14F-4D97-AF65-F5344CB8AC3E}">
+        <p14:creationId xmlns:p14="http://schemas.microsoft.com/office/powerpoint/2010/main" val="4245283713"/>
+      </p:ext>
+    </p:extLst>
+  </p:cSld>
+  <p:clrMapOvr>
+    <a:masterClrMapping/>
+  </p:clrMapOvr>
+</p:sld>
+</file>
+
+<file path=ppt/slides/slide4.xml><?xml version="1.0" encoding="utf-8"?>
+<p:sld xmlns:a="http://schemas.openxmlformats.org/drawingml/2006/main" xmlns:r="http://schemas.openxmlformats.org/officeDocument/2006/relationships" xmlns:p="http://schemas.openxmlformats.org/presentationml/2006/main">
+  <p:cSld>
+    <p:spTree>
+      <p:nvGrpSpPr>
+        <p:cNvPr id="1" name=""/>
+        <p:cNvGrpSpPr/>
+        <p:nvPr/>
+      </p:nvGrpSpPr>
+      <p:grpSpPr>
+        <a:xfrm>
+          <a:off x="0" y="0"/>
+          <a:ext cx="0" cy="0"/>
+          <a:chOff x="0" y="0"/>
+          <a:chExt cx="0" cy="0"/>
+        </a:xfrm>
+      </p:grpSpPr>
+      <p:sp>
+        <p:nvSpPr>
+          <p:cNvPr id="5" name="Rectangle 4"/>
+          <p:cNvSpPr/>
+          <p:nvPr/>
+        </p:nvSpPr>
+        <p:spPr>
+          <a:xfrm>
+            <a:off x="971600" y="1628800"/>
+            <a:ext cx="1440160" cy="288032"/>
+          </a:xfrm>
+          <a:prstGeom prst="rect">
+            <a:avLst/>
+          </a:prstGeom>
+          <a:solidFill>
+            <a:schemeClr val="accent5">
+              <a:lumMod val="20000"/>
+              <a:lumOff val="80000"/>
+            </a:schemeClr>
+          </a:solidFill>
+          <a:ln w="9525">
+            <a:solidFill>
+              <a:schemeClr val="accent5">
+                <a:lumMod val="50000"/>
+              </a:schemeClr>
+            </a:solidFill>
+          </a:ln>
+        </p:spPr>
+        <p:style>
+          <a:lnRef idx="2">
+            <a:schemeClr val="accent1">
+              <a:shade val="50000"/>
+            </a:schemeClr>
+          </a:lnRef>
+          <a:fillRef idx="1">
+            <a:schemeClr val="accent1"/>
+          </a:fillRef>
+          <a:effectRef idx="0">
+            <a:schemeClr val="accent1"/>
+          </a:effectRef>
+          <a:fontRef idx="minor">
+            <a:schemeClr val="lt1"/>
+          </a:fontRef>
+        </p:style>
+        <p:txBody>
+          <a:bodyPr rtlCol="0" anchor="ctr"/>
+          <a:lstStyle/>
+          <a:p>
+            <a:pPr algn="ctr"/>
+            <a:r>
+              <a:rPr lang="fr-FR" sz="1000" dirty="0" smtClean="0">
+                <a:solidFill>
+                  <a:sysClr val="windowText" lastClr="000000"/>
+                </a:solidFill>
+              </a:rPr>
+              <a:t>Domaine du client</a:t>
+            </a:r>
+            <a:endParaRPr lang="fr-FR" sz="1000" dirty="0">
+              <a:solidFill>
+                <a:sysClr val="windowText" lastClr="000000"/>
+              </a:solidFill>
+            </a:endParaRPr>
+          </a:p>
+        </p:txBody>
+      </p:sp>
+      <p:sp>
+        <p:nvSpPr>
+          <p:cNvPr id="6" name="Rectangle 5"/>
+          <p:cNvSpPr/>
+          <p:nvPr/>
+        </p:nvSpPr>
+        <p:spPr>
+          <a:xfrm>
+            <a:off x="971600" y="1985071"/>
+            <a:ext cx="1440160" cy="1512168"/>
+          </a:xfrm>
+          <a:prstGeom prst="rect">
+            <a:avLst/>
+          </a:prstGeom>
+          <a:solidFill>
+            <a:schemeClr val="accent5">
+              <a:lumMod val="20000"/>
+              <a:lumOff val="80000"/>
+            </a:schemeClr>
+          </a:solidFill>
+          <a:ln w="9525">
+            <a:solidFill>
+              <a:schemeClr val="accent5">
+                <a:lumMod val="50000"/>
+              </a:schemeClr>
+            </a:solidFill>
+          </a:ln>
+        </p:spPr>
+        <p:style>
+          <a:lnRef idx="2">
+            <a:schemeClr val="accent1">
+              <a:shade val="50000"/>
+            </a:schemeClr>
+          </a:lnRef>
+          <a:fillRef idx="1">
+            <a:schemeClr val="accent1"/>
+          </a:fillRef>
+          <a:effectRef idx="0">
+            <a:schemeClr val="accent1"/>
+          </a:effectRef>
+          <a:fontRef idx="minor">
+            <a:schemeClr val="lt1"/>
+          </a:fontRef>
+        </p:style>
+        <p:txBody>
+          <a:bodyPr rtlCol="0" anchor="ctr"/>
+          <a:lstStyle/>
+          <a:p>
+            <a:pPr algn="ctr"/>
+            <a:endParaRPr lang="fr-FR" sz="1000" dirty="0">
+              <a:solidFill>
+                <a:sysClr val="windowText" lastClr="000000"/>
+              </a:solidFill>
+            </a:endParaRPr>
+          </a:p>
+        </p:txBody>
+      </p:sp>
+      <p:sp>
+        <p:nvSpPr>
+          <p:cNvPr id="8" name="Rectangle 7"/>
+          <p:cNvSpPr/>
+          <p:nvPr/>
+        </p:nvSpPr>
+        <p:spPr>
+          <a:xfrm>
+            <a:off x="2754201" y="1628800"/>
+            <a:ext cx="1440160" cy="288032"/>
+          </a:xfrm>
+          <a:prstGeom prst="rect">
+            <a:avLst/>
+          </a:prstGeom>
+          <a:solidFill>
+            <a:schemeClr val="accent2">
+              <a:lumMod val="20000"/>
+              <a:lumOff val="80000"/>
+            </a:schemeClr>
+          </a:solidFill>
+          <a:ln w="9525">
+            <a:solidFill>
+              <a:schemeClr val="accent2"/>
+            </a:solidFill>
+          </a:ln>
+        </p:spPr>
+        <p:style>
+          <a:lnRef idx="2">
+            <a:schemeClr val="accent1">
+              <a:shade val="50000"/>
+            </a:schemeClr>
+          </a:lnRef>
+          <a:fillRef idx="1">
+            <a:schemeClr val="accent1"/>
+          </a:fillRef>
+          <a:effectRef idx="0">
+            <a:schemeClr val="accent1"/>
+          </a:effectRef>
+          <a:fontRef idx="minor">
+            <a:schemeClr val="lt1"/>
+          </a:fontRef>
+        </p:style>
+        <p:txBody>
+          <a:bodyPr rtlCol="0" anchor="ctr"/>
+          <a:lstStyle/>
+          <a:p>
+            <a:pPr algn="ctr"/>
+            <a:r>
+              <a:rPr lang="fr-FR" sz="1000" dirty="0" smtClean="0">
+                <a:solidFill>
+                  <a:sysClr val="windowText" lastClr="000000"/>
+                </a:solidFill>
+              </a:rPr>
+              <a:t>Domaine de la modélisation</a:t>
+            </a:r>
+            <a:endParaRPr lang="fr-FR" sz="1000" dirty="0">
+              <a:solidFill>
+                <a:sysClr val="windowText" lastClr="000000"/>
+              </a:solidFill>
+            </a:endParaRPr>
+          </a:p>
+        </p:txBody>
+      </p:sp>
+      <p:sp>
+        <p:nvSpPr>
+          <p:cNvPr id="9" name="Rectangle 8"/>
+          <p:cNvSpPr/>
+          <p:nvPr/>
+        </p:nvSpPr>
+        <p:spPr>
+          <a:xfrm>
+            <a:off x="2754201" y="1985071"/>
+            <a:ext cx="1440160" cy="1519706"/>
+          </a:xfrm>
+          <a:prstGeom prst="rect">
+            <a:avLst/>
+          </a:prstGeom>
+          <a:solidFill>
+            <a:schemeClr val="accent2">
+              <a:lumMod val="20000"/>
+              <a:lumOff val="80000"/>
+            </a:schemeClr>
+          </a:solidFill>
+          <a:ln w="9525">
+            <a:solidFill>
+              <a:schemeClr val="accent2"/>
+            </a:solidFill>
+          </a:ln>
+        </p:spPr>
+        <p:style>
+          <a:lnRef idx="2">
+            <a:schemeClr val="accent1">
+              <a:shade val="50000"/>
+            </a:schemeClr>
+          </a:lnRef>
+          <a:fillRef idx="1">
+            <a:schemeClr val="accent1"/>
+          </a:fillRef>
+          <a:effectRef idx="0">
+            <a:schemeClr val="accent1"/>
+          </a:effectRef>
+          <a:fontRef idx="minor">
+            <a:schemeClr val="lt1"/>
+          </a:fontRef>
+        </p:style>
+        <p:txBody>
+          <a:bodyPr rtlCol="0" anchor="ctr"/>
+          <a:lstStyle/>
+          <a:p>
+            <a:pPr algn="ctr"/>
+            <a:endParaRPr lang="fr-FR" sz="1000" dirty="0">
+              <a:solidFill>
+                <a:sysClr val="windowText" lastClr="000000"/>
+              </a:solidFill>
+            </a:endParaRPr>
+          </a:p>
+        </p:txBody>
+      </p:sp>
+      <p:sp>
+        <p:nvSpPr>
+          <p:cNvPr id="10" name="Rectangle 9"/>
+          <p:cNvSpPr/>
+          <p:nvPr/>
+        </p:nvSpPr>
+        <p:spPr>
+          <a:xfrm>
+            <a:off x="2910953" y="2051721"/>
+            <a:ext cx="1126656" cy="1389432"/>
+          </a:xfrm>
+          <a:prstGeom prst="rect">
+            <a:avLst/>
+          </a:prstGeom>
+          <a:solidFill>
+            <a:schemeClr val="accent2">
+              <a:lumMod val="20000"/>
+              <a:lumOff val="80000"/>
+            </a:schemeClr>
+          </a:solidFill>
+          <a:ln w="9525">
+            <a:solidFill>
+              <a:schemeClr val="accent2"/>
+            </a:solidFill>
+          </a:ln>
+        </p:spPr>
+        <p:style>
+          <a:lnRef idx="2">
+            <a:schemeClr val="accent1">
+              <a:shade val="50000"/>
+            </a:schemeClr>
+          </a:lnRef>
+          <a:fillRef idx="1">
+            <a:schemeClr val="accent1"/>
+          </a:fillRef>
+          <a:effectRef idx="0">
+            <a:schemeClr val="accent1"/>
+          </a:effectRef>
+          <a:fontRef idx="minor">
+            <a:schemeClr val="lt1"/>
+          </a:fontRef>
+        </p:style>
+        <p:txBody>
+          <a:bodyPr rtlCol="0" anchor="t"/>
+          <a:lstStyle/>
+          <a:p>
+            <a:pPr algn="ctr"/>
+            <a:r>
+              <a:rPr lang="fr-FR" sz="1000" b="1" dirty="0" smtClean="0">
+                <a:solidFill>
+                  <a:sysClr val="windowText" lastClr="000000"/>
+                </a:solidFill>
+              </a:rPr>
+              <a:t>Détermination des lois en effort en utilisant le PFS</a:t>
+            </a:r>
+          </a:p>
+        </p:txBody>
+      </p:sp>
+      <p:pic>
+        <p:nvPicPr>
+          <p:cNvPr id="2" name="Picture 2" descr="C:\Enseignement\GitHub\Cy_04_PSI_ModelisationDynamique\Revisions_Statique\Fiche_01_Statique_3D_TD_01_MC2E\images\fig_03.png"/>
+          <p:cNvPicPr>
+            <a:picLocks noChangeAspect="1" noChangeArrowheads="1"/>
+          </p:cNvPicPr>
+          <p:nvPr/>
+        </p:nvPicPr>
+        <p:blipFill rotWithShape="1">
+          <a:blip r:embed="rId2">
+            <a:extLst>
+              <a:ext uri="{28A0092B-C50C-407E-A947-70E740481C1C}">
+                <a14:useLocalDpi xmlns:a14="http://schemas.microsoft.com/office/drawing/2010/main" val="0"/>
+              </a:ext>
+            </a:extLst>
+          </a:blip>
+          <a:srcRect l="51117" t="54395" r="26802" b="-68"/>
+          <a:stretch/>
+        </p:blipFill>
+        <p:spPr bwMode="auto">
+          <a:xfrm>
+            <a:off x="1088030" y="2088420"/>
+            <a:ext cx="1207299" cy="963846"/>
+          </a:xfrm>
+          <a:prstGeom prst="rect">
+            <a:avLst/>
+          </a:prstGeom>
+          <a:noFill/>
+          <a:extLst>
+            <a:ext uri="{909E8E84-426E-40DD-AFC4-6F175D3DCCD1}">
+              <a14:hiddenFill xmlns:a14="http://schemas.microsoft.com/office/drawing/2010/main">
+                <a:solidFill>
+                  <a:srgbClr val="FFFFFF"/>
+                </a:solidFill>
+              </a14:hiddenFill>
+            </a:ext>
+          </a:extLst>
+        </p:spPr>
+      </p:pic>
+      <p:sp>
+        <p:nvSpPr>
+          <p:cNvPr id="14" name="Rectangle 13"/>
+          <p:cNvSpPr/>
+          <p:nvPr/>
+        </p:nvSpPr>
+        <p:spPr>
+          <a:xfrm>
+            <a:off x="6660232" y="1628800"/>
+            <a:ext cx="1440160" cy="288032"/>
+          </a:xfrm>
+          <a:prstGeom prst="rect">
+            <a:avLst/>
+          </a:prstGeom>
+          <a:solidFill>
+            <a:schemeClr val="accent3">
+              <a:lumMod val="20000"/>
+              <a:lumOff val="80000"/>
+            </a:schemeClr>
+          </a:solidFill>
+          <a:ln w="9525">
+            <a:solidFill>
+              <a:schemeClr val="accent3">
+                <a:lumMod val="50000"/>
+              </a:schemeClr>
+            </a:solidFill>
+          </a:ln>
+        </p:spPr>
+        <p:style>
+          <a:lnRef idx="2">
+            <a:schemeClr val="accent1">
+              <a:shade val="50000"/>
+            </a:schemeClr>
+          </a:lnRef>
+          <a:fillRef idx="1">
+            <a:schemeClr val="accent1"/>
+          </a:fillRef>
+          <a:effectRef idx="0">
+            <a:schemeClr val="accent1"/>
+          </a:effectRef>
+          <a:fontRef idx="minor">
+            <a:schemeClr val="lt1"/>
+          </a:fontRef>
+        </p:style>
+        <p:txBody>
+          <a:bodyPr rtlCol="0" anchor="ctr"/>
+          <a:lstStyle/>
+          <a:p>
+            <a:pPr algn="ctr"/>
+            <a:r>
+              <a:rPr lang="fr-FR" sz="1000" dirty="0" smtClean="0">
+                <a:solidFill>
+                  <a:sysClr val="windowText" lastClr="000000"/>
+                </a:solidFill>
+              </a:rPr>
+              <a:t>Domaine de </a:t>
+            </a:r>
+            <a:r>
+              <a:rPr lang="fr-FR" sz="1000" dirty="0" smtClean="0">
+                <a:solidFill>
+                  <a:sysClr val="windowText" lastClr="000000"/>
+                </a:solidFill>
+              </a:rPr>
+              <a:t>l’expérimentation</a:t>
+            </a:r>
+            <a:endParaRPr lang="fr-FR" sz="1000" dirty="0">
+              <a:solidFill>
+                <a:sysClr val="windowText" lastClr="000000"/>
+              </a:solidFill>
+            </a:endParaRPr>
+          </a:p>
+        </p:txBody>
+      </p:sp>
+      <p:sp>
+        <p:nvSpPr>
+          <p:cNvPr id="15" name="Rectangle 14"/>
+          <p:cNvSpPr/>
+          <p:nvPr/>
+        </p:nvSpPr>
+        <p:spPr>
+          <a:xfrm>
+            <a:off x="6660232" y="1985071"/>
+            <a:ext cx="1440160" cy="1519706"/>
+          </a:xfrm>
+          <a:prstGeom prst="rect">
+            <a:avLst/>
+          </a:prstGeom>
+          <a:solidFill>
+            <a:schemeClr val="accent3">
+              <a:lumMod val="20000"/>
+              <a:lumOff val="80000"/>
+            </a:schemeClr>
+          </a:solidFill>
+          <a:ln w="9525">
+            <a:solidFill>
+              <a:schemeClr val="accent3">
+                <a:lumMod val="50000"/>
+              </a:schemeClr>
+            </a:solidFill>
+          </a:ln>
+        </p:spPr>
+        <p:style>
+          <a:lnRef idx="2">
+            <a:schemeClr val="accent1">
+              <a:shade val="50000"/>
+            </a:schemeClr>
+          </a:lnRef>
+          <a:fillRef idx="1">
+            <a:schemeClr val="accent1"/>
+          </a:fillRef>
+          <a:effectRef idx="0">
+            <a:schemeClr val="accent1"/>
+          </a:effectRef>
+          <a:fontRef idx="minor">
+            <a:schemeClr val="lt1"/>
+          </a:fontRef>
+        </p:style>
+        <p:txBody>
+          <a:bodyPr rtlCol="0" anchor="ctr"/>
+          <a:lstStyle/>
+          <a:p>
+            <a:pPr algn="ctr"/>
+            <a:endParaRPr lang="fr-FR" sz="1000" dirty="0">
+              <a:solidFill>
+                <a:sysClr val="windowText" lastClr="000000"/>
+              </a:solidFill>
+            </a:endParaRPr>
+          </a:p>
+        </p:txBody>
+      </p:sp>
+      <p:sp>
+        <p:nvSpPr>
+          <p:cNvPr id="16" name="Rectangle 15"/>
+          <p:cNvSpPr/>
+          <p:nvPr/>
+        </p:nvSpPr>
+        <p:spPr>
+          <a:xfrm>
+            <a:off x="6767439" y="2051721"/>
+            <a:ext cx="1225746" cy="1389432"/>
+          </a:xfrm>
+          <a:prstGeom prst="rect">
+            <a:avLst/>
+          </a:prstGeom>
+          <a:solidFill>
+            <a:schemeClr val="accent3">
+              <a:lumMod val="20000"/>
+              <a:lumOff val="80000"/>
+            </a:schemeClr>
+          </a:solidFill>
+          <a:ln w="9525">
+            <a:solidFill>
+              <a:schemeClr val="accent3">
+                <a:lumMod val="50000"/>
+              </a:schemeClr>
+            </a:solidFill>
+          </a:ln>
+        </p:spPr>
+        <p:style>
+          <a:lnRef idx="2">
+            <a:schemeClr val="accent1">
+              <a:shade val="50000"/>
+            </a:schemeClr>
+          </a:lnRef>
+          <a:fillRef idx="1">
+            <a:schemeClr val="accent1"/>
+          </a:fillRef>
+          <a:effectRef idx="0">
+            <a:schemeClr val="accent1"/>
+          </a:effectRef>
+          <a:fontRef idx="minor">
+            <a:schemeClr val="lt1"/>
+          </a:fontRef>
+        </p:style>
+        <p:txBody>
+          <a:bodyPr rtlCol="0" anchor="t"/>
+          <a:lstStyle/>
+          <a:p>
+            <a:pPr algn="ctr"/>
+            <a:r>
+              <a:rPr lang="fr-FR" sz="1000" b="1" dirty="0" smtClean="0">
+                <a:solidFill>
+                  <a:sysClr val="windowText" lastClr="000000"/>
+                </a:solidFill>
+              </a:rPr>
+              <a:t>Calibration du poids de E.</a:t>
+            </a:r>
+            <a:endParaRPr lang="fr-FR" sz="1000" b="1" dirty="0">
+              <a:solidFill>
+                <a:sysClr val="windowText" lastClr="000000"/>
+              </a:solidFill>
+            </a:endParaRPr>
+          </a:p>
+        </p:txBody>
+      </p:sp>
+      <p:sp>
+        <p:nvSpPr>
+          <p:cNvPr id="4" name="Double flèche horizontale 3"/>
+          <p:cNvSpPr/>
+          <p:nvPr/>
+        </p:nvSpPr>
+        <p:spPr>
+          <a:xfrm>
+            <a:off x="3923928" y="1472978"/>
+            <a:ext cx="3096343" cy="2194730"/>
+          </a:xfrm>
+          <a:prstGeom prst="leftRightArrow">
+            <a:avLst>
+              <a:gd name="adj1" fmla="val 75253"/>
+              <a:gd name="adj2" fmla="val 22762"/>
+            </a:avLst>
+          </a:prstGeom>
+          <a:solidFill>
+            <a:schemeClr val="accent6">
+              <a:lumMod val="20000"/>
+              <a:lumOff val="80000"/>
+            </a:schemeClr>
+          </a:solidFill>
+          <a:ln w="9525">
+            <a:solidFill>
+              <a:schemeClr val="accent6">
+                <a:lumMod val="50000"/>
+              </a:schemeClr>
+            </a:solidFill>
+          </a:ln>
+        </p:spPr>
+        <p:style>
+          <a:lnRef idx="2">
+            <a:schemeClr val="accent1">
+              <a:shade val="50000"/>
+            </a:schemeClr>
+          </a:lnRef>
+          <a:fillRef idx="1">
+            <a:schemeClr val="accent1"/>
+          </a:fillRef>
+          <a:effectRef idx="0">
+            <a:schemeClr val="accent1"/>
+          </a:effectRef>
+          <a:fontRef idx="minor">
+            <a:schemeClr val="lt1"/>
+          </a:fontRef>
+        </p:style>
+        <p:txBody>
+          <a:bodyPr rtlCol="0" anchor="ctr"/>
+          <a:lstStyle/>
+          <a:p>
+            <a:pPr algn="ctr"/>
+            <a:r>
+              <a:rPr lang="fr-FR" sz="900" dirty="0" smtClean="0">
+                <a:solidFill>
+                  <a:sysClr val="windowText" lastClr="000000"/>
+                </a:solidFill>
+              </a:rPr>
+              <a:t>Détermination de la compensation en effort</a:t>
+            </a:r>
+          </a:p>
+          <a:p>
+            <a:pPr algn="ctr"/>
+            <a:r>
+              <a:rPr lang="fr-FR" sz="1050" b="1" dirty="0" smtClean="0">
+                <a:solidFill>
+                  <a:sysClr val="windowText" lastClr="000000"/>
+                </a:solidFill>
+              </a:rPr>
+              <a:t>Erreur due à la mesure du  poids lors de la compensation  : </a:t>
+            </a:r>
+          </a:p>
+          <a:p>
+            <a:pPr algn="ctr"/>
+            <a:endParaRPr lang="fr-FR" sz="1050" b="1" dirty="0" smtClean="0">
+              <a:solidFill>
+                <a:sysClr val="windowText" lastClr="000000"/>
+              </a:solidFill>
+            </a:endParaRPr>
+          </a:p>
+          <a:p>
+            <a:pPr algn="ctr"/>
+            <a:r>
+              <a:rPr lang="fr-FR" sz="1050" b="1" dirty="0" smtClean="0">
+                <a:solidFill>
+                  <a:sysClr val="windowText" lastClr="000000"/>
+                </a:solidFill>
+              </a:rPr>
+              <a:t>Méthode de compensation du poids : </a:t>
+            </a:r>
+          </a:p>
+          <a:p>
+            <a:pPr algn="ctr"/>
+            <a:r>
+              <a:rPr lang="fr-FR" sz="1000" smtClean="0">
+                <a:solidFill>
+                  <a:schemeClr val="tx1"/>
+                </a:solidFill>
+              </a:rPr>
+              <a:t> </a:t>
+            </a:r>
+            <a:endParaRPr lang="fr-FR" sz="1000" b="1" dirty="0">
+              <a:solidFill>
+                <a:sysClr val="windowText" lastClr="000000"/>
+              </a:solidFill>
+            </a:endParaRPr>
+          </a:p>
+        </p:txBody>
+      </p:sp>
+    </p:spTree>
+    <p:extLst>
+      <p:ext uri="{BB962C8B-B14F-4D97-AF65-F5344CB8AC3E}">
+        <p14:creationId xmlns:p14="http://schemas.microsoft.com/office/powerpoint/2010/main" val="1419089961"/>
+      </p:ext>
+    </p:extLst>
+  </p:cSld>
+  <p:clrMapOvr>
+    <a:masterClrMapping/>
+  </p:clrMapOvr>
+</p:sld>
+</file>
+
+<file path=ppt/slides/slide5.xml><?xml version="1.0" encoding="utf-8"?>
+<p:sld xmlns:a="http://schemas.openxmlformats.org/drawingml/2006/main" xmlns:r="http://schemas.openxmlformats.org/officeDocument/2006/relationships" xmlns:p="http://schemas.openxmlformats.org/presentationml/2006/main">
+  <p:cSld>
+    <p:spTree>
+      <p:nvGrpSpPr>
+        <p:cNvPr id="1" name=""/>
+        <p:cNvGrpSpPr/>
+        <p:nvPr/>
+      </p:nvGrpSpPr>
+      <p:grpSpPr>
+        <a:xfrm>
+          <a:off x="0" y="0"/>
+          <a:ext cx="0" cy="0"/>
+          <a:chOff x="0" y="0"/>
+          <a:chExt cx="0" cy="0"/>
+        </a:xfrm>
+      </p:grpSpPr>
+      <p:sp>
+        <p:nvSpPr>
+          <p:cNvPr id="5" name="Rectangle 4"/>
+          <p:cNvSpPr/>
+          <p:nvPr/>
+        </p:nvSpPr>
+        <p:spPr>
+          <a:xfrm>
+            <a:off x="971600" y="1628800"/>
+            <a:ext cx="1440160" cy="288032"/>
+          </a:xfrm>
+          <a:prstGeom prst="rect">
+            <a:avLst/>
+          </a:prstGeom>
+          <a:solidFill>
+            <a:schemeClr val="accent5">
+              <a:lumMod val="20000"/>
+              <a:lumOff val="80000"/>
+            </a:schemeClr>
+          </a:solidFill>
+          <a:ln w="9525">
+            <a:solidFill>
+              <a:schemeClr val="accent5">
+                <a:lumMod val="50000"/>
+              </a:schemeClr>
+            </a:solidFill>
+          </a:ln>
+        </p:spPr>
+        <p:style>
+          <a:lnRef idx="2">
+            <a:schemeClr val="accent1">
+              <a:shade val="50000"/>
+            </a:schemeClr>
+          </a:lnRef>
+          <a:fillRef idx="1">
+            <a:schemeClr val="accent1"/>
+          </a:fillRef>
+          <a:effectRef idx="0">
+            <a:schemeClr val="accent1"/>
+          </a:effectRef>
+          <a:fontRef idx="minor">
+            <a:schemeClr val="lt1"/>
+          </a:fontRef>
+        </p:style>
+        <p:txBody>
+          <a:bodyPr rtlCol="0" anchor="ctr"/>
+          <a:lstStyle/>
+          <a:p>
+            <a:pPr algn="ctr"/>
+            <a:r>
+              <a:rPr lang="fr-FR" sz="1000" dirty="0" smtClean="0">
+                <a:solidFill>
+                  <a:sysClr val="windowText" lastClr="000000"/>
+                </a:solidFill>
+              </a:rPr>
+              <a:t>Domaine du client</a:t>
+            </a:r>
+            <a:endParaRPr lang="fr-FR" sz="1000" dirty="0">
+              <a:solidFill>
+                <a:sysClr val="windowText" lastClr="000000"/>
+              </a:solidFill>
+            </a:endParaRPr>
+          </a:p>
+        </p:txBody>
+      </p:sp>
+      <p:sp>
+        <p:nvSpPr>
+          <p:cNvPr id="6" name="Rectangle 5"/>
+          <p:cNvSpPr/>
+          <p:nvPr/>
+        </p:nvSpPr>
+        <p:spPr>
+          <a:xfrm>
             <a:off x="971600" y="1988840"/>
             <a:ext cx="1440160" cy="1512168"/>
           </a:xfrm>
@@ -7837,8 +9367,8 @@
           </a:p>
         </p:txBody>
       </p:sp>
-      <mc:AlternateContent xmlns:mc="http://schemas.openxmlformats.org/markup-compatibility/2006">
-        <mc:Choice xmlns:a14="http://schemas.microsoft.com/office/drawing/2010/main" Requires="a14">
+      <mc:AlternateContent xmlns:mc="http://schemas.openxmlformats.org/markup-compatibility/2006" xmlns:a14="http://schemas.microsoft.com/office/drawing/2010/main">
+        <mc:Choice Requires="a14">
           <p:sp>
             <p:nvSpPr>
               <p:cNvPr id="10" name="Rectangle 9"/>
@@ -8002,7 +9532,7 @@
             </p:txBody>
           </p:sp>
         </mc:Choice>
-        <mc:Fallback>
+        <mc:Fallback xmlns="">
           <p:sp>
             <p:nvSpPr>
               <p:cNvPr id="10" name="Rectangle 9"/>
@@ -8177,11 +9707,6 @@
               </a:rPr>
               <a:t>Exigence validée </a:t>
             </a:r>
-            <a:endParaRPr lang="fr-FR" sz="1100" b="1" dirty="0" smtClean="0">
-              <a:solidFill>
-                <a:sysClr val="windowText" lastClr="000000"/>
-              </a:solidFill>
-            </a:endParaRPr>
           </a:p>
           <a:p>
             <a:pPr algn="ctr"/>
@@ -8286,8 +9811,8 @@
           </a:p>
         </p:txBody>
       </p:sp>
-      <mc:AlternateContent xmlns:mc="http://schemas.openxmlformats.org/markup-compatibility/2006">
-        <mc:Choice xmlns:a14="http://schemas.microsoft.com/office/drawing/2010/main" Requires="a14">
+      <mc:AlternateContent xmlns:mc="http://schemas.openxmlformats.org/markup-compatibility/2006" xmlns:a14="http://schemas.microsoft.com/office/drawing/2010/main">
+        <mc:Choice Requires="a14">
           <p:sp>
             <p:nvSpPr>
               <p:cNvPr id="2" name="Rectangle 1"/>
@@ -8362,7 +9887,7 @@
             </p:txBody>
           </p:sp>
         </mc:Choice>
-        <mc:Fallback>
+        <mc:Fallback xmlns="">
           <p:sp>
             <p:nvSpPr>
               <p:cNvPr id="2" name="Rectangle 1"/>
@@ -8414,7 +9939,7 @@
 </p:sld>
 </file>
 
-<file path=ppt/slides/slide4.xml><?xml version="1.0" encoding="utf-8"?>
+<file path=ppt/slides/slide6.xml><?xml version="1.0" encoding="utf-8"?>
 <p:sld xmlns:a="http://schemas.openxmlformats.org/drawingml/2006/main" xmlns:r="http://schemas.openxmlformats.org/officeDocument/2006/relationships" xmlns:p="http://schemas.openxmlformats.org/presentationml/2006/main">
   <p:cSld>
     <p:spTree>
